--- a/ПРЕЗЕНТАЦИЯ.pptx
+++ b/ПРЕЗЕНТАЦИЯ.pptx
@@ -106,6 +106,11 @@
       </a:defRPr>
     </a:lvl9pPr>
   </p:defaultTextStyle>
+  <p:extLst>
+    <p:ext uri="{EFAFB233-063F-42B5-8137-9DF3F51BA10A}">
+      <p15:sldGuideLst xmlns:p15="http://schemas.microsoft.com/office/powerpoint/2012/main"/>
+    </p:ext>
+  </p:extLst>
 </p:presentation>
 </file>
 
@@ -294,7 +299,7 @@
           <a:p>
             <a:fld id="{07E7D739-6186-45A6-B3F3-5BC1942FBAAF}" type="datetimeFigureOut">
               <a:rPr lang="ru-RU" smtClean="0"/>
-              <a:t>13.04.2023</a:t>
+              <a:t>19.04.2023</a:t>
             </a:fld>
             <a:endParaRPr lang="ru-RU"/>
           </a:p>
@@ -592,7 +597,7 @@
           <a:p>
             <a:fld id="{07E7D739-6186-45A6-B3F3-5BC1942FBAAF}" type="datetimeFigureOut">
               <a:rPr lang="ru-RU" smtClean="0"/>
-              <a:t>13.04.2023</a:t>
+              <a:t>19.04.2023</a:t>
             </a:fld>
             <a:endParaRPr lang="ru-RU"/>
           </a:p>
@@ -784,7 +789,7 @@
           <a:p>
             <a:fld id="{07E7D739-6186-45A6-B3F3-5BC1942FBAAF}" type="datetimeFigureOut">
               <a:rPr lang="ru-RU" smtClean="0"/>
-              <a:t>13.04.2023</a:t>
+              <a:t>19.04.2023</a:t>
             </a:fld>
             <a:endParaRPr lang="ru-RU"/>
           </a:p>
@@ -1045,7 +1050,7 @@
           <a:p>
             <a:fld id="{07E7D739-6186-45A6-B3F3-5BC1942FBAAF}" type="datetimeFigureOut">
               <a:rPr lang="ru-RU" smtClean="0"/>
-              <a:t>13.04.2023</a:t>
+              <a:t>19.04.2023</a:t>
             </a:fld>
             <a:endParaRPr lang="ru-RU"/>
           </a:p>
@@ -1469,7 +1474,7 @@
           <a:p>
             <a:fld id="{07E7D739-6186-45A6-B3F3-5BC1942FBAAF}" type="datetimeFigureOut">
               <a:rPr lang="ru-RU" smtClean="0"/>
-              <a:t>13.04.2023</a:t>
+              <a:t>19.04.2023</a:t>
             </a:fld>
             <a:endParaRPr lang="ru-RU"/>
           </a:p>
@@ -2006,7 +2011,7 @@
           <a:p>
             <a:fld id="{07E7D739-6186-45A6-B3F3-5BC1942FBAAF}" type="datetimeFigureOut">
               <a:rPr lang="ru-RU" smtClean="0"/>
-              <a:t>13.04.2023</a:t>
+              <a:t>19.04.2023</a:t>
             </a:fld>
             <a:endParaRPr lang="ru-RU"/>
           </a:p>
@@ -2870,7 +2875,7 @@
           <a:p>
             <a:fld id="{07E7D739-6186-45A6-B3F3-5BC1942FBAAF}" type="datetimeFigureOut">
               <a:rPr lang="ru-RU" smtClean="0"/>
-              <a:t>13.04.2023</a:t>
+              <a:t>19.04.2023</a:t>
             </a:fld>
             <a:endParaRPr lang="ru-RU"/>
           </a:p>
@@ -3040,7 +3045,7 @@
           <a:p>
             <a:fld id="{07E7D739-6186-45A6-B3F3-5BC1942FBAAF}" type="datetimeFigureOut">
               <a:rPr lang="ru-RU" smtClean="0"/>
-              <a:t>13.04.2023</a:t>
+              <a:t>19.04.2023</a:t>
             </a:fld>
             <a:endParaRPr lang="ru-RU"/>
           </a:p>
@@ -3224,7 +3229,7 @@
           <a:p>
             <a:fld id="{07E7D739-6186-45A6-B3F3-5BC1942FBAAF}" type="datetimeFigureOut">
               <a:rPr lang="ru-RU" smtClean="0"/>
-              <a:t>13.04.2023</a:t>
+              <a:t>19.04.2023</a:t>
             </a:fld>
             <a:endParaRPr lang="ru-RU"/>
           </a:p>
@@ -3394,7 +3399,7 @@
           <a:p>
             <a:fld id="{07E7D739-6186-45A6-B3F3-5BC1942FBAAF}" type="datetimeFigureOut">
               <a:rPr lang="ru-RU" smtClean="0"/>
-              <a:t>13.04.2023</a:t>
+              <a:t>19.04.2023</a:t>
             </a:fld>
             <a:endParaRPr lang="ru-RU"/>
           </a:p>
@@ -3638,7 +3643,7 @@
           <a:p>
             <a:fld id="{07E7D739-6186-45A6-B3F3-5BC1942FBAAF}" type="datetimeFigureOut">
               <a:rPr lang="ru-RU" smtClean="0"/>
-              <a:t>13.04.2023</a:t>
+              <a:t>19.04.2023</a:t>
             </a:fld>
             <a:endParaRPr lang="ru-RU"/>
           </a:p>
@@ -3874,7 +3879,7 @@
           <a:p>
             <a:fld id="{07E7D739-6186-45A6-B3F3-5BC1942FBAAF}" type="datetimeFigureOut">
               <a:rPr lang="ru-RU" smtClean="0"/>
-              <a:t>13.04.2023</a:t>
+              <a:t>19.04.2023</a:t>
             </a:fld>
             <a:endParaRPr lang="ru-RU"/>
           </a:p>
@@ -4340,7 +4345,7 @@
           <a:p>
             <a:fld id="{07E7D739-6186-45A6-B3F3-5BC1942FBAAF}" type="datetimeFigureOut">
               <a:rPr lang="ru-RU" smtClean="0"/>
-              <a:t>13.04.2023</a:t>
+              <a:t>19.04.2023</a:t>
             </a:fld>
             <a:endParaRPr lang="ru-RU"/>
           </a:p>
@@ -4458,7 +4463,7 @@
           <a:p>
             <a:fld id="{07E7D739-6186-45A6-B3F3-5BC1942FBAAF}" type="datetimeFigureOut">
               <a:rPr lang="ru-RU" smtClean="0"/>
-              <a:t>13.04.2023</a:t>
+              <a:t>19.04.2023</a:t>
             </a:fld>
             <a:endParaRPr lang="ru-RU"/>
           </a:p>
@@ -4553,7 +4558,7 @@
           <a:p>
             <a:fld id="{07E7D739-6186-45A6-B3F3-5BC1942FBAAF}" type="datetimeFigureOut">
               <a:rPr lang="ru-RU" smtClean="0"/>
-              <a:t>13.04.2023</a:t>
+              <a:t>19.04.2023</a:t>
             </a:fld>
             <a:endParaRPr lang="ru-RU"/>
           </a:p>
@@ -4808,7 +4813,7 @@
           <a:p>
             <a:fld id="{07E7D739-6186-45A6-B3F3-5BC1942FBAAF}" type="datetimeFigureOut">
               <a:rPr lang="ru-RU" smtClean="0"/>
-              <a:t>13.04.2023</a:t>
+              <a:t>19.04.2023</a:t>
             </a:fld>
             <a:endParaRPr lang="ru-RU"/>
           </a:p>
@@ -5108,7 +5113,7 @@
           <a:p>
             <a:fld id="{07E7D739-6186-45A6-B3F3-5BC1942FBAAF}" type="datetimeFigureOut">
               <a:rPr lang="ru-RU" smtClean="0"/>
-              <a:t>13.04.2023</a:t>
+              <a:t>19.04.2023</a:t>
             </a:fld>
             <a:endParaRPr lang="ru-RU"/>
           </a:p>
@@ -5342,7 +5347,7 @@
           <a:p>
             <a:fld id="{07E7D739-6186-45A6-B3F3-5BC1942FBAAF}" type="datetimeFigureOut">
               <a:rPr lang="ru-RU" smtClean="0"/>
-              <a:t>13.04.2023</a:t>
+              <a:t>19.04.2023</a:t>
             </a:fld>
             <a:endParaRPr lang="ru-RU"/>
           </a:p>
@@ -6321,7 +6326,11 @@
           <a:bodyPr/>
           <a:lstStyle/>
           <a:p>
-            <a:endParaRPr lang="ru-RU"/>
+            <a:r>
+              <a:rPr lang="ru-RU" dirty="0" smtClean="0"/>
+              <a:t>Главная страница</a:t>
+            </a:r>
+            <a:endParaRPr lang="ru-RU" dirty="0"/>
           </a:p>
         </p:txBody>
       </p:sp>
@@ -6340,7 +6349,18 @@
           <a:bodyPr/>
           <a:lstStyle/>
           <a:p>
-            <a:endParaRPr lang="ru-RU"/>
+            <a:pPr marL="36900" indent="0">
+              <a:buNone/>
+            </a:pPr>
+            <a:r>
+              <a:rPr lang="ru-RU" dirty="0" smtClean="0"/>
+              <a:t>Она по сути является отправной точкой при работе </a:t>
+            </a:r>
+            <a:r>
+              <a:rPr lang="ru-RU" smtClean="0"/>
+              <a:t>с сайтом. </a:t>
+            </a:r>
+            <a:endParaRPr lang="ru-RU" dirty="0"/>
           </a:p>
         </p:txBody>
       </p:sp>
